--- a/基础PPT/JavaSE进阶第三版/第11章：Java枚举简介.pptx
+++ b/基础PPT/JavaSE进阶第三版/第11章：Java枚举简介.pptx
@@ -7176,7 +7176,25 @@
                 </a:solidFill>
                 <a:sym typeface="+mn-ea"/>
               </a:rPr>
-              <a:t>    FEIXI("安徽省","合肥市","肥西县"),</a:t>
+              <a:t>    </a:t>
+            </a:r>
+            <a:r>
+              <a:rPr lang="en-US" altLang="zh-CN" sz="1200" b="1">
+                <a:solidFill>
+                  <a:srgbClr val="FF0000"/>
+                </a:solidFill>
+                <a:sym typeface="+mn-ea"/>
+              </a:rPr>
+              <a:t>NANSHAN</a:t>
+            </a:r>
+            <a:r>
+              <a:rPr lang="zh-CN" altLang="en-US" sz="1200" b="1">
+                <a:solidFill>
+                  <a:srgbClr val="FF0000"/>
+                </a:solidFill>
+                <a:sym typeface="+mn-ea"/>
+              </a:rPr>
+              <a:t>("广东省","深圳市","南山区"),</a:t>
             </a:r>
             <a:endParaRPr lang="zh-CN" altLang="en-US" sz="1200" b="1">
               <a:solidFill>
@@ -7194,7 +7212,61 @@
                 </a:solidFill>
                 <a:sym typeface="+mn-ea"/>
               </a:rPr>
-              <a:t>    FEIDONG("安徽省","合肥市","肥东县");</a:t>
+              <a:t>    </a:t>
+            </a:r>
+            <a:r>
+              <a:rPr lang="en-US" altLang="zh-CN" sz="1200" b="1">
+                <a:solidFill>
+                  <a:srgbClr val="FF0000"/>
+                </a:solidFill>
+                <a:sym typeface="+mn-ea"/>
+              </a:rPr>
+              <a:t>LONGGANG</a:t>
+            </a:r>
+            <a:r>
+              <a:rPr lang="zh-CN" altLang="en-US" sz="1200" b="1">
+                <a:solidFill>
+                  <a:srgbClr val="FF0000"/>
+                </a:solidFill>
+                <a:sym typeface="+mn-ea"/>
+              </a:rPr>
+              <a:t>("</a:t>
+            </a:r>
+            <a:r>
+              <a:rPr lang="zh-CN" altLang="en-US" sz="1200" b="1">
+                <a:solidFill>
+                  <a:srgbClr val="FF0000"/>
+                </a:solidFill>
+                <a:sym typeface="+mn-ea"/>
+              </a:rPr>
+              <a:t>广东省</a:t>
+            </a:r>
+            <a:r>
+              <a:rPr lang="zh-CN" altLang="en-US" sz="1200" b="1">
+                <a:solidFill>
+                  <a:srgbClr val="FF0000"/>
+                </a:solidFill>
+                <a:sym typeface="+mn-ea"/>
+              </a:rPr>
+              <a:t>","</a:t>
+            </a:r>
+            <a:r>
+              <a:rPr lang="zh-CN" altLang="en-US" sz="1200" b="1">
+                <a:solidFill>
+                  <a:srgbClr val="FF0000"/>
+                </a:solidFill>
+                <a:sym typeface="+mn-ea"/>
+              </a:rPr>
+              <a:t>深圳市</a:t>
+            </a:r>
+            <a:r>
+              <a:rPr lang="zh-CN" altLang="en-US" sz="1200" b="1">
+                <a:solidFill>
+                  <a:srgbClr val="FF0000"/>
+                </a:solidFill>
+                <a:sym typeface="+mn-ea"/>
+              </a:rPr>
+              <a:t>","龙岗区");</a:t>
             </a:r>
             <a:endParaRPr lang="zh-CN" altLang="en-US" sz="1200" b="1">
               <a:solidFill>
@@ -7619,7 +7691,7 @@
         <p:spPr>
           <a:xfrm>
             <a:off x="5847080" y="874395"/>
-            <a:ext cx="4852035" cy="2409190"/>
+            <a:ext cx="4852035" cy="2646680"/>
           </a:xfrm>
           <a:prstGeom prst="rect">
             <a:avLst/>
@@ -7768,6 +7840,33 @@
                 </a:solidFill>
                 <a:sym typeface="+mn-ea"/>
               </a:rPr>
+              <a:t>        System.out.println(AddressEnum.NANSHAN);</a:t>
+            </a:r>
+            <a:endParaRPr lang="zh-CN" altLang="en-US" sz="1200">
+              <a:solidFill>
+                <a:schemeClr val="tx1"/>
+              </a:solidFill>
+              <a:sym typeface="+mn-ea"/>
+            </a:endParaRPr>
+          </a:p>
+          <a:p>
+            <a:pPr algn="l"/>
+            <a:endParaRPr lang="zh-CN" altLang="en-US" sz="1200">
+              <a:solidFill>
+                <a:schemeClr val="tx1"/>
+              </a:solidFill>
+              <a:sym typeface="+mn-ea"/>
+            </a:endParaRPr>
+          </a:p>
+          <a:p>
+            <a:pPr algn="l"/>
+            <a:r>
+              <a:rPr lang="zh-CN" altLang="en-US" sz="1200">
+                <a:solidFill>
+                  <a:schemeClr val="tx1"/>
+                </a:solidFill>
+                <a:sym typeface="+mn-ea"/>
+              </a:rPr>
               <a:t>        for (AddressEnum addressEnum : AddressEnum.values()) {</a:t>
             </a:r>
             <a:endParaRPr lang="zh-CN" altLang="en-US" sz="1200">
@@ -7877,7 +7976,7 @@
         </p:nvSpPr>
         <p:spPr>
           <a:xfrm>
-            <a:off x="5847080" y="3521075"/>
+            <a:off x="5847080" y="3653790"/>
             <a:ext cx="2678430" cy="456565"/>
           </a:xfrm>
           <a:prstGeom prst="rect">
@@ -7928,7 +8027,7 @@
         </p:nvSpPr>
         <p:spPr>
           <a:xfrm>
-            <a:off x="5847080" y="4163695"/>
+            <a:off x="5847080" y="4237990"/>
             <a:ext cx="4852035" cy="956945"/>
           </a:xfrm>
           <a:prstGeom prst="rect">
@@ -10100,7 +10199,7 @@
         <p:spPr>
           <a:xfrm>
             <a:off x="4189730" y="772795"/>
-            <a:ext cx="4550410" cy="2207260"/>
+            <a:ext cx="6726555" cy="2207260"/>
           </a:xfrm>
           <a:prstGeom prst="rect">
             <a:avLst/>
@@ -10249,25 +10348,25 @@
                 </a:solidFill>
                 <a:sym typeface="+mn-ea"/>
               </a:rPr>
-              <a:t>        // 使用字符串或者数字容易导致拼写错误或者使用错误</a:t>
-            </a:r>
-            <a:endParaRPr lang="zh-CN" altLang="en-US" sz="1200">
-              <a:solidFill>
-                <a:schemeClr val="tx1"/>
-              </a:solidFill>
-              <a:sym typeface="+mn-ea"/>
-            </a:endParaRPr>
-          </a:p>
-          <a:p>
-            <a:pPr algn="l"/>
-            <a:r>
-              <a:rPr lang="zh-CN" altLang="en-US" sz="1200">
-                <a:solidFill>
-                  <a:schemeClr val="tx1"/>
-                </a:solidFill>
-                <a:sym typeface="+mn-ea"/>
-              </a:rPr>
-              <a:t>        // 不利于遍历</a:t>
+              <a:t>        checkSeason("SPRING   ");        // 使用字符串或者数字容易导致拼写错误或者使用错误</a:t>
+            </a:r>
+            <a:endParaRPr lang="zh-CN" altLang="en-US" sz="1200">
+              <a:solidFill>
+                <a:schemeClr val="tx1"/>
+              </a:solidFill>
+              <a:sym typeface="+mn-ea"/>
+            </a:endParaRPr>
+          </a:p>
+          <a:p>
+            <a:pPr algn="l"/>
+            <a:r>
+              <a:rPr lang="zh-CN" altLang="en-US" sz="1200">
+                <a:solidFill>
+                  <a:schemeClr val="tx1"/>
+                </a:solidFill>
+                <a:sym typeface="+mn-ea"/>
+              </a:rPr>
+              <a:t>        // 不利于检查，比如从配置文件读取，可能配置错了</a:t>
             </a:r>
             <a:endParaRPr lang="zh-CN" altLang="en-US" sz="1200">
               <a:solidFill>
@@ -11126,7 +11225,7 @@
                 </a:solidFill>
                 <a:sym typeface="+mn-ea"/>
               </a:rPr>
-              <a:t>public class Season {</a:t>
+              <a:t>public static class Season {</a:t>
             </a:r>
             <a:endParaRPr lang="zh-CN" altLang="en-US" sz="1200">
               <a:solidFill>
